--- a/AI_GongShang_P5-2024-Session III.pptx
+++ b/AI_GongShang_P5-2024-Session III.pptx
@@ -6,7 +6,7 @@
     <p:sldMasterId id="2147483648" r:id="rId2"/>
   </p:sldMasterIdLst>
   <p:notesMasterIdLst>
-    <p:notesMasterId r:id="rId9"/>
+    <p:notesMasterId r:id="rId10"/>
   </p:notesMasterIdLst>
   <p:sldIdLst>
     <p:sldId id="257" r:id="rId3"/>
@@ -14,7 +14,8 @@
     <p:sldId id="373" r:id="rId5"/>
     <p:sldId id="371" r:id="rId6"/>
     <p:sldId id="377" r:id="rId7"/>
-    <p:sldId id="263" r:id="rId8"/>
+    <p:sldId id="378" r:id="rId8"/>
+    <p:sldId id="263" r:id="rId9"/>
   </p:sldIdLst>
   <p:sldSz cx="12192000" cy="6858000"/>
   <p:notesSz cx="6858000" cy="9144000"/>
@@ -730,6 +731,93 @@
 </file>
 
 <file path=ppt/notesSlides/notesSlide3.xml><?xml version="1.0" encoding="utf-8"?>
+<p:notes xmlns:a="http://schemas.openxmlformats.org/drawingml/2006/main" xmlns:r="http://schemas.openxmlformats.org/officeDocument/2006/relationships" xmlns:p="http://schemas.openxmlformats.org/presentationml/2006/main">
+  <p:cSld>
+    <p:spTree>
+      <p:nvGrpSpPr>
+        <p:cNvPr id="1" name=""/>
+        <p:cNvGrpSpPr/>
+        <p:nvPr/>
+      </p:nvGrpSpPr>
+      <p:grpSpPr>
+        <a:xfrm>
+          <a:off x="0" y="0"/>
+          <a:ext cx="0" cy="0"/>
+          <a:chOff x="0" y="0"/>
+          <a:chExt cx="0" cy="0"/>
+        </a:xfrm>
+      </p:grpSpPr>
+      <p:sp>
+        <p:nvSpPr>
+          <p:cNvPr id="2" name="Slide Image Placeholder 1"/>
+          <p:cNvSpPr>
+            <a:spLocks noGrp="1" noRot="1" noChangeAspect="1"/>
+          </p:cNvSpPr>
+          <p:nvPr>
+            <p:ph type="sldImg"/>
+          </p:nvPr>
+        </p:nvSpPr>
+        <p:spPr/>
+      </p:sp>
+      <p:sp>
+        <p:nvSpPr>
+          <p:cNvPr id="3" name="Notes Placeholder 2"/>
+          <p:cNvSpPr>
+            <a:spLocks noGrp="1"/>
+          </p:cNvSpPr>
+          <p:nvPr>
+            <p:ph type="body" idx="1"/>
+          </p:nvPr>
+        </p:nvSpPr>
+        <p:spPr/>
+        <p:txBody>
+          <a:bodyPr/>
+          <a:lstStyle/>
+          <a:p>
+            <a:r>
+              <a:rPr lang="en-US" dirty="0"/>
+              <a:t>https://www.youtube.com/watch?v=2hXG8v8p0KM</a:t>
+            </a:r>
+          </a:p>
+        </p:txBody>
+      </p:sp>
+      <p:sp>
+        <p:nvSpPr>
+          <p:cNvPr id="4" name="Slide Number Placeholder 3"/>
+          <p:cNvSpPr>
+            <a:spLocks noGrp="1"/>
+          </p:cNvSpPr>
+          <p:nvPr>
+            <p:ph type="sldNum" sz="quarter" idx="5"/>
+          </p:nvPr>
+        </p:nvSpPr>
+        <p:spPr/>
+        <p:txBody>
+          <a:bodyPr/>
+          <a:lstStyle/>
+          <a:p>
+            <a:fld id="{40CE8C5C-5464-4D1B-84FA-5987E2808A42}" type="slidenum">
+              <a:rPr lang="en-US" smtClean="0"/>
+              <a:t>6</a:t>
+            </a:fld>
+            <a:endParaRPr lang="en-US"/>
+          </a:p>
+        </p:txBody>
+      </p:sp>
+    </p:spTree>
+    <p:extLst>
+      <p:ext uri="{BB962C8B-B14F-4D97-AF65-F5344CB8AC3E}">
+        <p14:creationId xmlns:p14="http://schemas.microsoft.com/office/powerpoint/2010/main" val="1737905950"/>
+      </p:ext>
+    </p:extLst>
+  </p:cSld>
+  <p:clrMapOvr>
+    <a:masterClrMapping/>
+  </p:clrMapOvr>
+</p:notes>
+</file>
+
+<file path=ppt/notesSlides/notesSlide4.xml><?xml version="1.0" encoding="utf-8"?>
 <p:notes xmlns:a="http://schemas.openxmlformats.org/drawingml/2006/main" xmlns:r="http://schemas.openxmlformats.org/officeDocument/2006/relationships" xmlns:p="http://schemas.openxmlformats.org/presentationml/2006/main" showMasterSp="0" showMasterPhAnim="0">
   <p:cSld>
     <p:spTree>
@@ -13775,6 +13863,139 @@
 </file>
 
 <file path=ppt/slides/slide6.xml><?xml version="1.0" encoding="utf-8"?>
+<p:sld xmlns:a="http://schemas.openxmlformats.org/drawingml/2006/main" xmlns:r="http://schemas.openxmlformats.org/officeDocument/2006/relationships" xmlns:p="http://schemas.openxmlformats.org/presentationml/2006/main">
+  <p:cSld>
+    <p:spTree>
+      <p:nvGrpSpPr>
+        <p:cNvPr id="1" name=""/>
+        <p:cNvGrpSpPr/>
+        <p:nvPr/>
+      </p:nvGrpSpPr>
+      <p:grpSpPr>
+        <a:xfrm>
+          <a:off x="0" y="0"/>
+          <a:ext cx="0" cy="0"/>
+          <a:chOff x="0" y="0"/>
+          <a:chExt cx="0" cy="0"/>
+        </a:xfrm>
+      </p:grpSpPr>
+      <p:sp>
+        <p:nvSpPr>
+          <p:cNvPr id="2" name="Title 1">
+            <a:extLst>
+              <a:ext uri="{FF2B5EF4-FFF2-40B4-BE49-F238E27FC236}">
+                <a16:creationId xmlns:a16="http://schemas.microsoft.com/office/drawing/2014/main" id="{B0A84294-2A3E-217D-B6E6-660EAF5B9586}"/>
+              </a:ext>
+            </a:extLst>
+          </p:cNvPr>
+          <p:cNvSpPr>
+            <a:spLocks noGrp="1"/>
+          </p:cNvSpPr>
+          <p:nvPr>
+            <p:ph type="title"/>
+          </p:nvPr>
+        </p:nvSpPr>
+        <p:spPr/>
+        <p:txBody>
+          <a:bodyPr/>
+          <a:lstStyle/>
+          <a:p>
+            <a:pPr algn="l"/>
+            <a:r>
+              <a:rPr lang="en-US" dirty="0">
+                <a:latin typeface="Open Sans" panose="020B0606030504020204" pitchFamily="34" charset="0"/>
+                <a:ea typeface="Open Sans" panose="020B0606030504020204" pitchFamily="34" charset="0"/>
+                <a:cs typeface="Open Sans" panose="020B0606030504020204" pitchFamily="34" charset="0"/>
+              </a:rPr>
+              <a:t>Extension: </a:t>
+            </a:r>
+            <a:r>
+              <a:rPr lang="en-US" dirty="0">
+                <a:solidFill>
+                  <a:srgbClr val="031E75"/>
+                </a:solidFill>
+                <a:latin typeface="Open Sans" panose="020B0606030504020204" pitchFamily="34" charset="0"/>
+                <a:ea typeface="Open Sans" panose="020B0606030504020204" pitchFamily="34" charset="0"/>
+                <a:cs typeface="Open Sans" panose="020B0606030504020204" pitchFamily="34" charset="0"/>
+              </a:rPr>
+              <a:t>Meet out Student: AI computers</a:t>
+            </a:r>
+          </a:p>
+        </p:txBody>
+      </p:sp>
+      <p:sp>
+        <p:nvSpPr>
+          <p:cNvPr id="3" name="Slide Number Placeholder 2">
+            <a:extLst>
+              <a:ext uri="{FF2B5EF4-FFF2-40B4-BE49-F238E27FC236}">
+                <a16:creationId xmlns:a16="http://schemas.microsoft.com/office/drawing/2014/main" id="{95BCD4A1-F36D-031B-B801-D319D6CB9A3F}"/>
+              </a:ext>
+            </a:extLst>
+          </p:cNvPr>
+          <p:cNvSpPr>
+            <a:spLocks noGrp="1"/>
+          </p:cNvSpPr>
+          <p:nvPr>
+            <p:ph type="sldNum" sz="quarter" idx="4"/>
+          </p:nvPr>
+        </p:nvSpPr>
+        <p:spPr/>
+        <p:txBody>
+          <a:bodyPr/>
+          <a:lstStyle/>
+          <a:p>
+            <a:fld id="{AF418156-33C5-4EE2-BFCC-50E9C725F268}" type="slidenum">
+              <a:rPr lang="en-US" smtClean="0"/>
+              <a:t>6</a:t>
+            </a:fld>
+            <a:endParaRPr lang="en-US" dirty="0"/>
+          </a:p>
+        </p:txBody>
+      </p:sp>
+      <p:pic>
+        <p:nvPicPr>
+          <p:cNvPr id="5" name="Picture 4">
+            <a:extLst>
+              <a:ext uri="{FF2B5EF4-FFF2-40B4-BE49-F238E27FC236}">
+                <a16:creationId xmlns:a16="http://schemas.microsoft.com/office/drawing/2014/main" id="{F468F95D-AFEA-C2DB-1CF1-D081982A33F9}"/>
+              </a:ext>
+            </a:extLst>
+          </p:cNvPr>
+          <p:cNvPicPr>
+            <a:picLocks noChangeAspect="1"/>
+          </p:cNvPicPr>
+          <p:nvPr/>
+        </p:nvPicPr>
+        <p:blipFill>
+          <a:blip r:embed="rId3"/>
+          <a:stretch>
+            <a:fillRect/>
+          </a:stretch>
+        </p:blipFill>
+        <p:spPr>
+          <a:xfrm>
+            <a:off x="1828800" y="799831"/>
+            <a:ext cx="7784306" cy="5869529"/>
+          </a:xfrm>
+          <a:prstGeom prst="rect">
+            <a:avLst/>
+          </a:prstGeom>
+        </p:spPr>
+      </p:pic>
+    </p:spTree>
+    <p:extLst>
+      <p:ext uri="{BB962C8B-B14F-4D97-AF65-F5344CB8AC3E}">
+        <p14:creationId xmlns:p14="http://schemas.microsoft.com/office/powerpoint/2010/main" val="1610690137"/>
+      </p:ext>
+    </p:extLst>
+  </p:cSld>
+  <p:clrMapOvr>
+    <a:masterClrMapping/>
+  </p:clrMapOvr>
+</p:sld>
+</file>
+
+<file path=ppt/slides/slide7.xml><?xml version="1.0" encoding="utf-8"?>
 <p:sld xmlns:a="http://schemas.openxmlformats.org/drawingml/2006/main" xmlns:r="http://schemas.openxmlformats.org/officeDocument/2006/relationships" xmlns:p="http://schemas.openxmlformats.org/presentationml/2006/main">
   <p:cSld>
     <p:spTree>
